--- a/images/theoreticalModels.pptx
+++ b/images/theoreticalModels.pptx
@@ -123,6 +123,67 @@
 </p:presentation>
 </file>
 
+<file path=ppt/changesInfos/changesInfo1.xml><?xml version="1.0" encoding="utf-8"?>
+<pc:chgInfo xmlns:a="http://schemas.openxmlformats.org/drawingml/2006/main" xmlns:r="http://schemas.openxmlformats.org/officeDocument/2006/relationships" xmlns:ac="http://schemas.microsoft.com/office/drawing/2013/main/command" xmlns:pc="http://schemas.microsoft.com/office/powerpoint/2013/main/command">
+  <pc:docChgLst>
+    <pc:chgData name="Scott Claessens" userId="4182a21f-a269-4333-a3cd-52d373294ca1" providerId="ADAL" clId="{D8F425D7-BEC7-4439-B0CF-3A392C14C007}"/>
+    <pc:docChg chg="undo custSel modSld">
+      <pc:chgData name="Scott Claessens" userId="4182a21f-a269-4333-a3cd-52d373294ca1" providerId="ADAL" clId="{D8F425D7-BEC7-4439-B0CF-3A392C14C007}" dt="2023-11-29T03:07:00.132" v="27" actId="1035"/>
+      <pc:docMkLst>
+        <pc:docMk/>
+      </pc:docMkLst>
+      <pc:sldChg chg="modSp mod">
+        <pc:chgData name="Scott Claessens" userId="4182a21f-a269-4333-a3cd-52d373294ca1" providerId="ADAL" clId="{D8F425D7-BEC7-4439-B0CF-3A392C14C007}" dt="2023-11-29T03:07:00.132" v="27" actId="1035"/>
+        <pc:sldMkLst>
+          <pc:docMk/>
+          <pc:sldMk cId="425798360" sldId="257"/>
+        </pc:sldMkLst>
+        <pc:spChg chg="mod">
+          <ac:chgData name="Scott Claessens" userId="4182a21f-a269-4333-a3cd-52d373294ca1" providerId="ADAL" clId="{D8F425D7-BEC7-4439-B0CF-3A392C14C007}" dt="2023-11-27T02:23:05.962" v="12" actId="20577"/>
+          <ac:spMkLst>
+            <pc:docMk/>
+            <pc:sldMk cId="425798360" sldId="257"/>
+            <ac:spMk id="3" creationId="{00000000-0000-0000-0000-000000000000}"/>
+          </ac:spMkLst>
+        </pc:spChg>
+        <pc:spChg chg="mod">
+          <ac:chgData name="Scott Claessens" userId="4182a21f-a269-4333-a3cd-52d373294ca1" providerId="ADAL" clId="{D8F425D7-BEC7-4439-B0CF-3A392C14C007}" dt="2023-11-27T02:23:10.357" v="19" actId="20577"/>
+          <ac:spMkLst>
+            <pc:docMk/>
+            <pc:sldMk cId="425798360" sldId="257"/>
+            <ac:spMk id="40" creationId="{00000000-0000-0000-0000-000000000000}"/>
+          </ac:spMkLst>
+        </pc:spChg>
+        <pc:spChg chg="mod">
+          <ac:chgData name="Scott Claessens" userId="4182a21f-a269-4333-a3cd-52d373294ca1" providerId="ADAL" clId="{D8F425D7-BEC7-4439-B0CF-3A392C14C007}" dt="2023-11-27T02:23:00.461" v="5" actId="20577"/>
+          <ac:spMkLst>
+            <pc:docMk/>
+            <pc:sldMk cId="425798360" sldId="257"/>
+            <ac:spMk id="84" creationId="{00000000-0000-0000-0000-000000000000}"/>
+          </ac:spMkLst>
+        </pc:spChg>
+        <pc:spChg chg="mod">
+          <ac:chgData name="Scott Claessens" userId="4182a21f-a269-4333-a3cd-52d373294ca1" providerId="ADAL" clId="{D8F425D7-BEC7-4439-B0CF-3A392C14C007}" dt="2023-11-29T03:06:46.516" v="25" actId="1582"/>
+          <ac:spMkLst>
+            <pc:docMk/>
+            <pc:sldMk cId="425798360" sldId="257"/>
+            <ac:spMk id="94" creationId="{00000000-0000-0000-0000-000000000000}"/>
+          </ac:spMkLst>
+        </pc:spChg>
+        <pc:spChg chg="mod">
+          <ac:chgData name="Scott Claessens" userId="4182a21f-a269-4333-a3cd-52d373294ca1" providerId="ADAL" clId="{D8F425D7-BEC7-4439-B0CF-3A392C14C007}" dt="2023-11-29T03:07:00.132" v="27" actId="1035"/>
+          <ac:spMkLst>
+            <pc:docMk/>
+            <pc:sldMk cId="425798360" sldId="257"/>
+            <ac:spMk id="95" creationId="{00000000-0000-0000-0000-000000000000}"/>
+          </ac:spMkLst>
+        </pc:spChg>
+      </pc:sldChg>
+    </pc:docChg>
+  </pc:docChgLst>
+</pc:chgInfo>
+</file>
+
 <file path=ppt/slideLayouts/slideLayout1.xml><?xml version="1.0" encoding="utf-8"?>
 <p:sldLayout xmlns:a="http://schemas.openxmlformats.org/drawingml/2006/main" xmlns:r="http://schemas.openxmlformats.org/officeDocument/2006/relationships" xmlns:p="http://schemas.openxmlformats.org/presentationml/2006/main" type="title" preserve="1">
   <p:cSld name="Title Slide">
@@ -165,7 +226,7 @@
           </a:lstStyle>
           <a:p>
             <a:r>
-              <a:rPr lang="en-US" smtClean="0"/>
+              <a:rPr lang="en-US"/>
               <a:t>Click to edit Master title style</a:t>
             </a:r>
             <a:endParaRPr lang="en-US" dirty="0"/>
@@ -230,7 +291,7 @@
           </a:lstStyle>
           <a:p>
             <a:r>
-              <a:rPr lang="en-US" smtClean="0"/>
+              <a:rPr lang="en-US"/>
               <a:t>Click to edit Master subtitle style</a:t>
             </a:r>
             <a:endParaRPr lang="en-US" dirty="0"/>
@@ -254,7 +315,7 @@
           <a:p>
             <a:fld id="{5717288E-5605-4F29-9090-61443399E823}" type="datetimeFigureOut">
               <a:rPr lang="en-NZ" smtClean="0"/>
-              <a:t>4/02/2021</a:t>
+              <a:t>29/11/2023</a:t>
             </a:fld>
             <a:endParaRPr lang="en-NZ"/>
           </a:p>
@@ -348,7 +409,7 @@
           <a:lstStyle/>
           <a:p>
             <a:r>
-              <a:rPr lang="en-US" smtClean="0"/>
+              <a:rPr lang="en-US"/>
               <a:t>Click to edit Master title style</a:t>
             </a:r>
             <a:endParaRPr lang="en-US" dirty="0"/>
@@ -372,35 +433,35 @@
           <a:p>
             <a:pPr lvl="0"/>
             <a:r>
-              <a:rPr lang="en-US" smtClean="0"/>
+              <a:rPr lang="en-US"/>
               <a:t>Edit Master text styles</a:t>
             </a:r>
           </a:p>
           <a:p>
             <a:pPr lvl="1"/>
             <a:r>
-              <a:rPr lang="en-US" smtClean="0"/>
+              <a:rPr lang="en-US"/>
               <a:t>Second level</a:t>
             </a:r>
           </a:p>
           <a:p>
             <a:pPr lvl="2"/>
             <a:r>
-              <a:rPr lang="en-US" smtClean="0"/>
+              <a:rPr lang="en-US"/>
               <a:t>Third level</a:t>
             </a:r>
           </a:p>
           <a:p>
             <a:pPr lvl="3"/>
             <a:r>
-              <a:rPr lang="en-US" smtClean="0"/>
+              <a:rPr lang="en-US"/>
               <a:t>Fourth level</a:t>
             </a:r>
           </a:p>
           <a:p>
             <a:pPr lvl="4"/>
             <a:r>
-              <a:rPr lang="en-US" smtClean="0"/>
+              <a:rPr lang="en-US"/>
               <a:t>Fifth level</a:t>
             </a:r>
             <a:endParaRPr lang="en-US" dirty="0"/>
@@ -424,7 +485,7 @@
           <a:p>
             <a:fld id="{5717288E-5605-4F29-9090-61443399E823}" type="datetimeFigureOut">
               <a:rPr lang="en-NZ" smtClean="0"/>
-              <a:t>4/02/2021</a:t>
+              <a:t>29/11/2023</a:t>
             </a:fld>
             <a:endParaRPr lang="en-NZ"/>
           </a:p>
@@ -523,7 +584,7 @@
           <a:lstStyle/>
           <a:p>
             <a:r>
-              <a:rPr lang="en-US" smtClean="0"/>
+              <a:rPr lang="en-US"/>
               <a:t>Click to edit Master title style</a:t>
             </a:r>
             <a:endParaRPr lang="en-US" dirty="0"/>
@@ -552,35 +613,35 @@
           <a:p>
             <a:pPr lvl="0"/>
             <a:r>
-              <a:rPr lang="en-US" smtClean="0"/>
+              <a:rPr lang="en-US"/>
               <a:t>Edit Master text styles</a:t>
             </a:r>
           </a:p>
           <a:p>
             <a:pPr lvl="1"/>
             <a:r>
-              <a:rPr lang="en-US" smtClean="0"/>
+              <a:rPr lang="en-US"/>
               <a:t>Second level</a:t>
             </a:r>
           </a:p>
           <a:p>
             <a:pPr lvl="2"/>
             <a:r>
-              <a:rPr lang="en-US" smtClean="0"/>
+              <a:rPr lang="en-US"/>
               <a:t>Third level</a:t>
             </a:r>
           </a:p>
           <a:p>
             <a:pPr lvl="3"/>
             <a:r>
-              <a:rPr lang="en-US" smtClean="0"/>
+              <a:rPr lang="en-US"/>
               <a:t>Fourth level</a:t>
             </a:r>
           </a:p>
           <a:p>
             <a:pPr lvl="4"/>
             <a:r>
-              <a:rPr lang="en-US" smtClean="0"/>
+              <a:rPr lang="en-US"/>
               <a:t>Fifth level</a:t>
             </a:r>
             <a:endParaRPr lang="en-US" dirty="0"/>
@@ -604,7 +665,7 @@
           <a:p>
             <a:fld id="{5717288E-5605-4F29-9090-61443399E823}" type="datetimeFigureOut">
               <a:rPr lang="en-NZ" smtClean="0"/>
-              <a:t>4/02/2021</a:t>
+              <a:t>29/11/2023</a:t>
             </a:fld>
             <a:endParaRPr lang="en-NZ"/>
           </a:p>
@@ -698,7 +759,7 @@
           <a:lstStyle/>
           <a:p>
             <a:r>
-              <a:rPr lang="en-US" smtClean="0"/>
+              <a:rPr lang="en-US"/>
               <a:t>Click to edit Master title style</a:t>
             </a:r>
             <a:endParaRPr lang="en-US" dirty="0"/>
@@ -722,35 +783,35 @@
           <a:p>
             <a:pPr lvl="0"/>
             <a:r>
-              <a:rPr lang="en-US" smtClean="0"/>
+              <a:rPr lang="en-US"/>
               <a:t>Edit Master text styles</a:t>
             </a:r>
           </a:p>
           <a:p>
             <a:pPr lvl="1"/>
             <a:r>
-              <a:rPr lang="en-US" smtClean="0"/>
+              <a:rPr lang="en-US"/>
               <a:t>Second level</a:t>
             </a:r>
           </a:p>
           <a:p>
             <a:pPr lvl="2"/>
             <a:r>
-              <a:rPr lang="en-US" smtClean="0"/>
+              <a:rPr lang="en-US"/>
               <a:t>Third level</a:t>
             </a:r>
           </a:p>
           <a:p>
             <a:pPr lvl="3"/>
             <a:r>
-              <a:rPr lang="en-US" smtClean="0"/>
+              <a:rPr lang="en-US"/>
               <a:t>Fourth level</a:t>
             </a:r>
           </a:p>
           <a:p>
             <a:pPr lvl="4"/>
             <a:r>
-              <a:rPr lang="en-US" smtClean="0"/>
+              <a:rPr lang="en-US"/>
               <a:t>Fifth level</a:t>
             </a:r>
             <a:endParaRPr lang="en-US" dirty="0"/>
@@ -774,7 +835,7 @@
           <a:p>
             <a:fld id="{5717288E-5605-4F29-9090-61443399E823}" type="datetimeFigureOut">
               <a:rPr lang="en-NZ" smtClean="0"/>
-              <a:t>4/02/2021</a:t>
+              <a:t>29/11/2023</a:t>
             </a:fld>
             <a:endParaRPr lang="en-NZ"/>
           </a:p>
@@ -877,7 +938,7 @@
           </a:lstStyle>
           <a:p>
             <a:r>
-              <a:rPr lang="en-US" smtClean="0"/>
+              <a:rPr lang="en-US"/>
               <a:t>Click to edit Master title style</a:t>
             </a:r>
             <a:endParaRPr lang="en-US" dirty="0"/>
@@ -997,7 +1058,7 @@
           <a:p>
             <a:pPr lvl="0"/>
             <a:r>
-              <a:rPr lang="en-US" smtClean="0"/>
+              <a:rPr lang="en-US"/>
               <a:t>Edit Master text styles</a:t>
             </a:r>
           </a:p>
@@ -1020,7 +1081,7 @@
           <a:p>
             <a:fld id="{5717288E-5605-4F29-9090-61443399E823}" type="datetimeFigureOut">
               <a:rPr lang="en-NZ" smtClean="0"/>
-              <a:t>4/02/2021</a:t>
+              <a:t>29/11/2023</a:t>
             </a:fld>
             <a:endParaRPr lang="en-NZ"/>
           </a:p>
@@ -1114,7 +1175,7 @@
           <a:lstStyle/>
           <a:p>
             <a:r>
-              <a:rPr lang="en-US" smtClean="0"/>
+              <a:rPr lang="en-US"/>
               <a:t>Click to edit Master title style</a:t>
             </a:r>
             <a:endParaRPr lang="en-US" dirty="0"/>
@@ -1143,35 +1204,35 @@
           <a:p>
             <a:pPr lvl="0"/>
             <a:r>
-              <a:rPr lang="en-US" smtClean="0"/>
+              <a:rPr lang="en-US"/>
               <a:t>Edit Master text styles</a:t>
             </a:r>
           </a:p>
           <a:p>
             <a:pPr lvl="1"/>
             <a:r>
-              <a:rPr lang="en-US" smtClean="0"/>
+              <a:rPr lang="en-US"/>
               <a:t>Second level</a:t>
             </a:r>
           </a:p>
           <a:p>
             <a:pPr lvl="2"/>
             <a:r>
-              <a:rPr lang="en-US" smtClean="0"/>
+              <a:rPr lang="en-US"/>
               <a:t>Third level</a:t>
             </a:r>
           </a:p>
           <a:p>
             <a:pPr lvl="3"/>
             <a:r>
-              <a:rPr lang="en-US" smtClean="0"/>
+              <a:rPr lang="en-US"/>
               <a:t>Fourth level</a:t>
             </a:r>
           </a:p>
           <a:p>
             <a:pPr lvl="4"/>
             <a:r>
-              <a:rPr lang="en-US" smtClean="0"/>
+              <a:rPr lang="en-US"/>
               <a:t>Fifth level</a:t>
             </a:r>
             <a:endParaRPr lang="en-US" dirty="0"/>
@@ -1200,35 +1261,35 @@
           <a:p>
             <a:pPr lvl="0"/>
             <a:r>
-              <a:rPr lang="en-US" smtClean="0"/>
+              <a:rPr lang="en-US"/>
               <a:t>Edit Master text styles</a:t>
             </a:r>
           </a:p>
           <a:p>
             <a:pPr lvl="1"/>
             <a:r>
-              <a:rPr lang="en-US" smtClean="0"/>
+              <a:rPr lang="en-US"/>
               <a:t>Second level</a:t>
             </a:r>
           </a:p>
           <a:p>
             <a:pPr lvl="2"/>
             <a:r>
-              <a:rPr lang="en-US" smtClean="0"/>
+              <a:rPr lang="en-US"/>
               <a:t>Third level</a:t>
             </a:r>
           </a:p>
           <a:p>
             <a:pPr lvl="3"/>
             <a:r>
-              <a:rPr lang="en-US" smtClean="0"/>
+              <a:rPr lang="en-US"/>
               <a:t>Fourth level</a:t>
             </a:r>
           </a:p>
           <a:p>
             <a:pPr lvl="4"/>
             <a:r>
-              <a:rPr lang="en-US" smtClean="0"/>
+              <a:rPr lang="en-US"/>
               <a:t>Fifth level</a:t>
             </a:r>
             <a:endParaRPr lang="en-US" dirty="0"/>
@@ -1252,7 +1313,7 @@
           <a:p>
             <a:fld id="{5717288E-5605-4F29-9090-61443399E823}" type="datetimeFigureOut">
               <a:rPr lang="en-NZ" smtClean="0"/>
-              <a:t>4/02/2021</a:t>
+              <a:t>29/11/2023</a:t>
             </a:fld>
             <a:endParaRPr lang="en-NZ"/>
           </a:p>
@@ -1351,7 +1412,7 @@
           <a:lstStyle/>
           <a:p>
             <a:r>
-              <a:rPr lang="en-US" smtClean="0"/>
+              <a:rPr lang="en-US"/>
               <a:t>Click to edit Master title style</a:t>
             </a:r>
             <a:endParaRPr lang="en-US" dirty="0"/>
@@ -1417,7 +1478,7 @@
           <a:p>
             <a:pPr lvl="0"/>
             <a:r>
-              <a:rPr lang="en-US" smtClean="0"/>
+              <a:rPr lang="en-US"/>
               <a:t>Edit Master text styles</a:t>
             </a:r>
           </a:p>
@@ -1445,35 +1506,35 @@
           <a:p>
             <a:pPr lvl="0"/>
             <a:r>
-              <a:rPr lang="en-US" smtClean="0"/>
+              <a:rPr lang="en-US"/>
               <a:t>Edit Master text styles</a:t>
             </a:r>
           </a:p>
           <a:p>
             <a:pPr lvl="1"/>
             <a:r>
-              <a:rPr lang="en-US" smtClean="0"/>
+              <a:rPr lang="en-US"/>
               <a:t>Second level</a:t>
             </a:r>
           </a:p>
           <a:p>
             <a:pPr lvl="2"/>
             <a:r>
-              <a:rPr lang="en-US" smtClean="0"/>
+              <a:rPr lang="en-US"/>
               <a:t>Third level</a:t>
             </a:r>
           </a:p>
           <a:p>
             <a:pPr lvl="3"/>
             <a:r>
-              <a:rPr lang="en-US" smtClean="0"/>
+              <a:rPr lang="en-US"/>
               <a:t>Fourth level</a:t>
             </a:r>
           </a:p>
           <a:p>
             <a:pPr lvl="4"/>
             <a:r>
-              <a:rPr lang="en-US" smtClean="0"/>
+              <a:rPr lang="en-US"/>
               <a:t>Fifth level</a:t>
             </a:r>
             <a:endParaRPr lang="en-US" dirty="0"/>
@@ -1539,7 +1600,7 @@
           <a:p>
             <a:pPr lvl="0"/>
             <a:r>
-              <a:rPr lang="en-US" smtClean="0"/>
+              <a:rPr lang="en-US"/>
               <a:t>Edit Master text styles</a:t>
             </a:r>
           </a:p>
@@ -1567,35 +1628,35 @@
           <a:p>
             <a:pPr lvl="0"/>
             <a:r>
-              <a:rPr lang="en-US" smtClean="0"/>
+              <a:rPr lang="en-US"/>
               <a:t>Edit Master text styles</a:t>
             </a:r>
           </a:p>
           <a:p>
             <a:pPr lvl="1"/>
             <a:r>
-              <a:rPr lang="en-US" smtClean="0"/>
+              <a:rPr lang="en-US"/>
               <a:t>Second level</a:t>
             </a:r>
           </a:p>
           <a:p>
             <a:pPr lvl="2"/>
             <a:r>
-              <a:rPr lang="en-US" smtClean="0"/>
+              <a:rPr lang="en-US"/>
               <a:t>Third level</a:t>
             </a:r>
           </a:p>
           <a:p>
             <a:pPr lvl="3"/>
             <a:r>
-              <a:rPr lang="en-US" smtClean="0"/>
+              <a:rPr lang="en-US"/>
               <a:t>Fourth level</a:t>
             </a:r>
           </a:p>
           <a:p>
             <a:pPr lvl="4"/>
             <a:r>
-              <a:rPr lang="en-US" smtClean="0"/>
+              <a:rPr lang="en-US"/>
               <a:t>Fifth level</a:t>
             </a:r>
             <a:endParaRPr lang="en-US" dirty="0"/>
@@ -1619,7 +1680,7 @@
           <a:p>
             <a:fld id="{5717288E-5605-4F29-9090-61443399E823}" type="datetimeFigureOut">
               <a:rPr lang="en-NZ" smtClean="0"/>
-              <a:t>4/02/2021</a:t>
+              <a:t>29/11/2023</a:t>
             </a:fld>
             <a:endParaRPr lang="en-NZ"/>
           </a:p>
@@ -1713,7 +1774,7 @@
           <a:lstStyle/>
           <a:p>
             <a:r>
-              <a:rPr lang="en-US" smtClean="0"/>
+              <a:rPr lang="en-US"/>
               <a:t>Click to edit Master title style</a:t>
             </a:r>
             <a:endParaRPr lang="en-US" dirty="0"/>
@@ -1737,7 +1798,7 @@
           <a:p>
             <a:fld id="{5717288E-5605-4F29-9090-61443399E823}" type="datetimeFigureOut">
               <a:rPr lang="en-NZ" smtClean="0"/>
-              <a:t>4/02/2021</a:t>
+              <a:t>29/11/2023</a:t>
             </a:fld>
             <a:endParaRPr lang="en-NZ"/>
           </a:p>
@@ -1832,7 +1893,7 @@
           <a:p>
             <a:fld id="{5717288E-5605-4F29-9090-61443399E823}" type="datetimeFigureOut">
               <a:rPr lang="en-NZ" smtClean="0"/>
-              <a:t>4/02/2021</a:t>
+              <a:t>29/11/2023</a:t>
             </a:fld>
             <a:endParaRPr lang="en-NZ"/>
           </a:p>
@@ -1935,7 +1996,7 @@
           </a:lstStyle>
           <a:p>
             <a:r>
-              <a:rPr lang="en-US" smtClean="0"/>
+              <a:rPr lang="en-US"/>
               <a:t>Click to edit Master title style</a:t>
             </a:r>
             <a:endParaRPr lang="en-US" dirty="0"/>
@@ -1992,35 +2053,35 @@
           <a:p>
             <a:pPr lvl="0"/>
             <a:r>
-              <a:rPr lang="en-US" smtClean="0"/>
+              <a:rPr lang="en-US"/>
               <a:t>Edit Master text styles</a:t>
             </a:r>
           </a:p>
           <a:p>
             <a:pPr lvl="1"/>
             <a:r>
-              <a:rPr lang="en-US" smtClean="0"/>
+              <a:rPr lang="en-US"/>
               <a:t>Second level</a:t>
             </a:r>
           </a:p>
           <a:p>
             <a:pPr lvl="2"/>
             <a:r>
-              <a:rPr lang="en-US" smtClean="0"/>
+              <a:rPr lang="en-US"/>
               <a:t>Third level</a:t>
             </a:r>
           </a:p>
           <a:p>
             <a:pPr lvl="3"/>
             <a:r>
-              <a:rPr lang="en-US" smtClean="0"/>
+              <a:rPr lang="en-US"/>
               <a:t>Fourth level</a:t>
             </a:r>
           </a:p>
           <a:p>
             <a:pPr lvl="4"/>
             <a:r>
-              <a:rPr lang="en-US" smtClean="0"/>
+              <a:rPr lang="en-US"/>
               <a:t>Fifth level</a:t>
             </a:r>
             <a:endParaRPr lang="en-US" dirty="0"/>
@@ -2086,7 +2147,7 @@
           <a:p>
             <a:pPr lvl="0"/>
             <a:r>
-              <a:rPr lang="en-US" smtClean="0"/>
+              <a:rPr lang="en-US"/>
               <a:t>Edit Master text styles</a:t>
             </a:r>
           </a:p>
@@ -2109,7 +2170,7 @@
           <a:p>
             <a:fld id="{5717288E-5605-4F29-9090-61443399E823}" type="datetimeFigureOut">
               <a:rPr lang="en-NZ" smtClean="0"/>
-              <a:t>4/02/2021</a:t>
+              <a:t>29/11/2023</a:t>
             </a:fld>
             <a:endParaRPr lang="en-NZ"/>
           </a:p>
@@ -2212,7 +2273,7 @@
           </a:lstStyle>
           <a:p>
             <a:r>
-              <a:rPr lang="en-US" smtClean="0"/>
+              <a:rPr lang="en-US"/>
               <a:t>Click to edit Master title style</a:t>
             </a:r>
             <a:endParaRPr lang="en-US" dirty="0"/>
@@ -2277,7 +2338,7 @@
           </a:lstStyle>
           <a:p>
             <a:r>
-              <a:rPr lang="en-US" smtClean="0"/>
+              <a:rPr lang="en-US"/>
               <a:t>Click icon to add picture</a:t>
             </a:r>
             <a:endParaRPr lang="en-US" dirty="0"/>
@@ -2343,7 +2404,7 @@
           <a:p>
             <a:pPr lvl="0"/>
             <a:r>
-              <a:rPr lang="en-US" smtClean="0"/>
+              <a:rPr lang="en-US"/>
               <a:t>Edit Master text styles</a:t>
             </a:r>
           </a:p>
@@ -2366,7 +2427,7 @@
           <a:p>
             <a:fld id="{5717288E-5605-4F29-9090-61443399E823}" type="datetimeFigureOut">
               <a:rPr lang="en-NZ" smtClean="0"/>
-              <a:t>4/02/2021</a:t>
+              <a:t>29/11/2023</a:t>
             </a:fld>
             <a:endParaRPr lang="en-NZ"/>
           </a:p>
@@ -2475,7 +2536,7 @@
           <a:lstStyle/>
           <a:p>
             <a:r>
-              <a:rPr lang="en-US" smtClean="0"/>
+              <a:rPr lang="en-US"/>
               <a:t>Click to edit Master title style</a:t>
             </a:r>
             <a:endParaRPr lang="en-US" dirty="0"/>
@@ -2509,35 +2570,35 @@
           <a:p>
             <a:pPr lvl="0"/>
             <a:r>
-              <a:rPr lang="en-US" smtClean="0"/>
+              <a:rPr lang="en-US"/>
               <a:t>Edit Master text styles</a:t>
             </a:r>
           </a:p>
           <a:p>
             <a:pPr lvl="1"/>
             <a:r>
-              <a:rPr lang="en-US" smtClean="0"/>
+              <a:rPr lang="en-US"/>
               <a:t>Second level</a:t>
             </a:r>
           </a:p>
           <a:p>
             <a:pPr lvl="2"/>
             <a:r>
-              <a:rPr lang="en-US" smtClean="0"/>
+              <a:rPr lang="en-US"/>
               <a:t>Third level</a:t>
             </a:r>
           </a:p>
           <a:p>
             <a:pPr lvl="3"/>
             <a:r>
-              <a:rPr lang="en-US" smtClean="0"/>
+              <a:rPr lang="en-US"/>
               <a:t>Fourth level</a:t>
             </a:r>
           </a:p>
           <a:p>
             <a:pPr lvl="4"/>
             <a:r>
-              <a:rPr lang="en-US" smtClean="0"/>
+              <a:rPr lang="en-US"/>
               <a:t>Fifth level</a:t>
             </a:r>
             <a:endParaRPr lang="en-US" dirty="0"/>
@@ -2579,7 +2640,7 @@
           <a:p>
             <a:fld id="{5717288E-5605-4F29-9090-61443399E823}" type="datetimeFigureOut">
               <a:rPr lang="en-NZ" smtClean="0"/>
-              <a:t>4/02/2021</a:t>
+              <a:t>29/11/2023</a:t>
             </a:fld>
             <a:endParaRPr lang="en-NZ"/>
           </a:p>
@@ -2998,11 +3059,12 @@
           <a:prstGeom prst="roundRect">
             <a:avLst/>
           </a:prstGeom>
-          <a:solidFill>
-            <a:srgbClr val="E6E6E6"/>
-          </a:solidFill>
-          <a:ln>
-            <a:noFill/>
+          <a:noFill/>
+          <a:ln w="38100">
+            <a:solidFill>
+              <a:srgbClr val="E6E6E6"/>
+            </a:solidFill>
+            <a:prstDash val="dash"/>
           </a:ln>
         </p:spPr>
         <p:style>
@@ -3087,13 +3149,6 @@
               </a:rPr>
               <a:t>Cooperative Phenotype</a:t>
             </a:r>
-            <a:endParaRPr lang="en-NZ" sz="1300" dirty="0">
-              <a:solidFill>
-                <a:schemeClr val="tx1"/>
-              </a:solidFill>
-              <a:latin typeface="Arial" panose="020B0604020202020204" pitchFamily="34" charset="0"/>
-              <a:cs typeface="Arial" panose="020B0604020202020204" pitchFamily="34" charset="0"/>
-            </a:endParaRPr>
           </a:p>
         </p:txBody>
       </p:sp>
@@ -3149,15 +3204,21 @@
                 <a:latin typeface="Arial" panose="020B0604020202020204" pitchFamily="34" charset="0"/>
                 <a:cs typeface="Arial" panose="020B0604020202020204" pitchFamily="34" charset="0"/>
               </a:rPr>
-              <a:t>Political Ideology</a:t>
-            </a:r>
-            <a:endParaRPr lang="en-NZ" sz="1300" dirty="0">
-              <a:solidFill>
-                <a:schemeClr val="tx1"/>
-              </a:solidFill>
-              <a:latin typeface="Arial" panose="020B0604020202020204" pitchFamily="34" charset="0"/>
-              <a:cs typeface="Arial" panose="020B0604020202020204" pitchFamily="34" charset="0"/>
-            </a:endParaRPr>
+              <a:t>Political</a:t>
+            </a:r>
+          </a:p>
+          <a:p>
+            <a:pPr algn="ctr"/>
+            <a:r>
+              <a:rPr lang="en-NZ" sz="1300" dirty="0">
+                <a:solidFill>
+                  <a:schemeClr val="tx1"/>
+                </a:solidFill>
+                <a:latin typeface="Arial" panose="020B0604020202020204" pitchFamily="34" charset="0"/>
+                <a:cs typeface="Arial" panose="020B0604020202020204" pitchFamily="34" charset="0"/>
+              </a:rPr>
+              <a:t>Views</a:t>
+            </a:r>
           </a:p>
         </p:txBody>
       </p:sp>
@@ -3215,13 +3276,6 @@
               </a:rPr>
               <a:t>Biological Factors</a:t>
             </a:r>
-            <a:endParaRPr lang="en-NZ" sz="1300" dirty="0">
-              <a:solidFill>
-                <a:schemeClr val="tx1"/>
-              </a:solidFill>
-              <a:latin typeface="Arial" panose="020B0604020202020204" pitchFamily="34" charset="0"/>
-              <a:cs typeface="Arial" panose="020B0604020202020204" pitchFamily="34" charset="0"/>
-            </a:endParaRPr>
           </a:p>
         </p:txBody>
       </p:sp>
@@ -3279,13 +3333,6 @@
               </a:rPr>
               <a:t>Environmental Factors</a:t>
             </a:r>
-            <a:endParaRPr lang="en-NZ" sz="1300" dirty="0">
-              <a:solidFill>
-                <a:schemeClr val="tx1"/>
-              </a:solidFill>
-              <a:latin typeface="Arial" panose="020B0604020202020204" pitchFamily="34" charset="0"/>
-              <a:cs typeface="Arial" panose="020B0604020202020204" pitchFamily="34" charset="0"/>
-            </a:endParaRPr>
           </a:p>
         </p:txBody>
       </p:sp>
@@ -3430,10 +3477,6 @@
               </a:rPr>
               <a:t>Cooperation-as-antecedent model</a:t>
             </a:r>
-            <a:endParaRPr lang="en-NZ" sz="1700" b="1" dirty="0">
-              <a:latin typeface="Arial" panose="020B0604020202020204" pitchFamily="34" charset="0"/>
-              <a:cs typeface="Arial" panose="020B0604020202020204" pitchFamily="34" charset="0"/>
-            </a:endParaRPr>
           </a:p>
         </p:txBody>
       </p:sp>
@@ -3467,10 +3510,6 @@
               </a:rPr>
               <a:t>Common-cause model</a:t>
             </a:r>
-            <a:endParaRPr lang="en-NZ" sz="1700" b="1" dirty="0">
-              <a:latin typeface="Arial" panose="020B0604020202020204" pitchFamily="34" charset="0"/>
-              <a:cs typeface="Arial" panose="020B0604020202020204" pitchFamily="34" charset="0"/>
-            </a:endParaRPr>
           </a:p>
         </p:txBody>
       </p:sp>
@@ -3519,14 +3558,27 @@
           <a:p>
             <a:pPr algn="ctr"/>
             <a:r>
-              <a:rPr lang="en-NZ" sz="1300" dirty="0">
+              <a:rPr lang="en-NZ" sz="1300">
                 <a:solidFill>
                   <a:schemeClr val="tx1"/>
                 </a:solidFill>
                 <a:latin typeface="Arial" panose="020B0604020202020204" pitchFamily="34" charset="0"/>
                 <a:cs typeface="Arial" panose="020B0604020202020204" pitchFamily="34" charset="0"/>
               </a:rPr>
-              <a:t>Political Ideology</a:t>
+              <a:t>Political</a:t>
+            </a:r>
+          </a:p>
+          <a:p>
+            <a:pPr algn="ctr"/>
+            <a:r>
+              <a:rPr lang="en-NZ" sz="1300">
+                <a:solidFill>
+                  <a:schemeClr val="tx1"/>
+                </a:solidFill>
+                <a:latin typeface="Arial" panose="020B0604020202020204" pitchFamily="34" charset="0"/>
+                <a:cs typeface="Arial" panose="020B0604020202020204" pitchFamily="34" charset="0"/>
+              </a:rPr>
+              <a:t>Views</a:t>
             </a:r>
             <a:endParaRPr lang="en-NZ" sz="1300" dirty="0">
               <a:solidFill>
@@ -3592,13 +3644,6 @@
               </a:rPr>
               <a:t>Cooperative Phenotype</a:t>
             </a:r>
-            <a:endParaRPr lang="en-NZ" sz="1300" dirty="0">
-              <a:solidFill>
-                <a:schemeClr val="tx1"/>
-              </a:solidFill>
-              <a:latin typeface="Arial" panose="020B0604020202020204" pitchFamily="34" charset="0"/>
-              <a:cs typeface="Arial" panose="020B0604020202020204" pitchFamily="34" charset="0"/>
-            </a:endParaRPr>
           </a:p>
         </p:txBody>
       </p:sp>
@@ -3656,13 +3701,6 @@
               </a:rPr>
               <a:t>Biological Factors</a:t>
             </a:r>
-            <a:endParaRPr lang="en-NZ" sz="1300" dirty="0">
-              <a:solidFill>
-                <a:schemeClr val="tx1"/>
-              </a:solidFill>
-              <a:latin typeface="Arial" panose="020B0604020202020204" pitchFamily="34" charset="0"/>
-              <a:cs typeface="Arial" panose="020B0604020202020204" pitchFamily="34" charset="0"/>
-            </a:endParaRPr>
           </a:p>
         </p:txBody>
       </p:sp>
@@ -3720,13 +3758,6 @@
               </a:rPr>
               <a:t>Environmental Factors</a:t>
             </a:r>
-            <a:endParaRPr lang="en-NZ" sz="1300" dirty="0">
-              <a:solidFill>
-                <a:schemeClr val="tx1"/>
-              </a:solidFill>
-              <a:latin typeface="Arial" panose="020B0604020202020204" pitchFamily="34" charset="0"/>
-              <a:cs typeface="Arial" panose="020B0604020202020204" pitchFamily="34" charset="0"/>
-            </a:endParaRPr>
           </a:p>
         </p:txBody>
       </p:sp>
@@ -3904,10 +3935,6 @@
               </a:rPr>
               <a:t>Cooperation-as-outcome model</a:t>
             </a:r>
-            <a:endParaRPr lang="en-NZ" sz="1700" b="1" dirty="0">
-              <a:latin typeface="Arial" panose="020B0604020202020204" pitchFamily="34" charset="0"/>
-              <a:cs typeface="Arial" panose="020B0604020202020204" pitchFamily="34" charset="0"/>
-            </a:endParaRPr>
           </a:p>
         </p:txBody>
       </p:sp>
@@ -3963,15 +3990,21 @@
                 <a:latin typeface="Arial" panose="020B0604020202020204" pitchFamily="34" charset="0"/>
                 <a:cs typeface="Arial" panose="020B0604020202020204" pitchFamily="34" charset="0"/>
               </a:rPr>
-              <a:t>Political Ideology</a:t>
-            </a:r>
-            <a:endParaRPr lang="en-NZ" sz="1300" dirty="0">
-              <a:solidFill>
-                <a:schemeClr val="tx1"/>
-              </a:solidFill>
-              <a:latin typeface="Arial" panose="020B0604020202020204" pitchFamily="34" charset="0"/>
-              <a:cs typeface="Arial" panose="020B0604020202020204" pitchFamily="34" charset="0"/>
-            </a:endParaRPr>
+              <a:t>Political </a:t>
+            </a:r>
+          </a:p>
+          <a:p>
+            <a:pPr algn="ctr"/>
+            <a:r>
+              <a:rPr lang="en-NZ" sz="1300" dirty="0">
+                <a:solidFill>
+                  <a:schemeClr val="tx1"/>
+                </a:solidFill>
+                <a:latin typeface="Arial" panose="020B0604020202020204" pitchFamily="34" charset="0"/>
+                <a:cs typeface="Arial" panose="020B0604020202020204" pitchFamily="34" charset="0"/>
+              </a:rPr>
+              <a:t>Views</a:t>
+            </a:r>
           </a:p>
         </p:txBody>
       </p:sp>
@@ -4029,13 +4062,6 @@
               </a:rPr>
               <a:t>Cooperative Phenotype</a:t>
             </a:r>
-            <a:endParaRPr lang="en-NZ" sz="1300" dirty="0">
-              <a:solidFill>
-                <a:schemeClr val="tx1"/>
-              </a:solidFill>
-              <a:latin typeface="Arial" panose="020B0604020202020204" pitchFamily="34" charset="0"/>
-              <a:cs typeface="Arial" panose="020B0604020202020204" pitchFamily="34" charset="0"/>
-            </a:endParaRPr>
           </a:p>
         </p:txBody>
       </p:sp>
@@ -4093,13 +4119,6 @@
               </a:rPr>
               <a:t>Biological Factors</a:t>
             </a:r>
-            <a:endParaRPr lang="en-NZ" sz="1300" dirty="0">
-              <a:solidFill>
-                <a:schemeClr val="tx1"/>
-              </a:solidFill>
-              <a:latin typeface="Arial" panose="020B0604020202020204" pitchFamily="34" charset="0"/>
-              <a:cs typeface="Arial" panose="020B0604020202020204" pitchFamily="34" charset="0"/>
-            </a:endParaRPr>
           </a:p>
         </p:txBody>
       </p:sp>
@@ -4157,13 +4176,6 @@
               </a:rPr>
               <a:t>Environmental Factors</a:t>
             </a:r>
-            <a:endParaRPr lang="en-NZ" sz="1300" dirty="0">
-              <a:solidFill>
-                <a:schemeClr val="tx1"/>
-              </a:solidFill>
-              <a:latin typeface="Arial" panose="020B0604020202020204" pitchFamily="34" charset="0"/>
-              <a:cs typeface="Arial" panose="020B0604020202020204" pitchFamily="34" charset="0"/>
-            </a:endParaRPr>
           </a:p>
         </p:txBody>
       </p:sp>
@@ -4286,7 +4298,7 @@
         </p:nvSpPr>
         <p:spPr>
           <a:xfrm>
-            <a:off x="476330" y="2110654"/>
+            <a:off x="476330" y="2088882"/>
             <a:ext cx="4869656" cy="338554"/>
           </a:xfrm>
           <a:prstGeom prst="rect">
@@ -4311,29 +4323,8 @@
                 <a:latin typeface="Arial" panose="020B0604020202020204" pitchFamily="34" charset="0"/>
                 <a:cs typeface="Arial" panose="020B0604020202020204" pitchFamily="34" charset="0"/>
               </a:rPr>
-              <a:t>C</a:t>
-            </a:r>
-            <a:r>
-              <a:rPr lang="en-NZ" sz="1600" dirty="0">
-                <a:solidFill>
-                  <a:schemeClr val="bg1">
-                    <a:lumMod val="65000"/>
-                  </a:schemeClr>
-                </a:solidFill>
-                <a:latin typeface="Arial" panose="020B0604020202020204" pitchFamily="34" charset="0"/>
-                <a:cs typeface="Arial" panose="020B0604020202020204" pitchFamily="34" charset="0"/>
-              </a:rPr>
-              <a:t>onsistent with dual evolutionary foundations</a:t>
-            </a:r>
-            <a:endParaRPr lang="en-NZ" sz="1600" dirty="0">
-              <a:solidFill>
-                <a:schemeClr val="bg1">
-                  <a:lumMod val="65000"/>
-                </a:schemeClr>
-              </a:solidFill>
-              <a:latin typeface="Arial" panose="020B0604020202020204" pitchFamily="34" charset="0"/>
-              <a:cs typeface="Arial" panose="020B0604020202020204" pitchFamily="34" charset="0"/>
-            </a:endParaRPr>
+              <a:t>Consistent with dual evolutionary foundations</a:t>
+            </a:r>
           </a:p>
         </p:txBody>
       </p:sp>
@@ -4347,13 +4338,6 @@
   <p:clrMapOvr>
     <a:masterClrMapping/>
   </p:clrMapOvr>
-  <p:timing>
-    <p:tnLst>
-      <p:par>
-        <p:cTn id="1" dur="indefinite" restart="never" nodeType="tmRoot"/>
-      </p:par>
-    </p:tnLst>
-  </p:timing>
 </p:sld>
 </file>
 

--- a/images/theoreticalModels.pptx
+++ b/images/theoreticalModels.pptx
@@ -126,6 +126,62 @@
 <file path=ppt/changesInfos/changesInfo1.xml><?xml version="1.0" encoding="utf-8"?>
 <pc:chgInfo xmlns:a="http://schemas.openxmlformats.org/drawingml/2006/main" xmlns:r="http://schemas.openxmlformats.org/officeDocument/2006/relationships" xmlns:ac="http://schemas.microsoft.com/office/drawing/2013/main/command" xmlns:pc="http://schemas.microsoft.com/office/powerpoint/2013/main/command">
   <pc:docChgLst>
+    <pc:chgData name="Scott Claessens" userId="4182a21f-a269-4333-a3cd-52d373294ca1" providerId="ADAL" clId="{DD2704FE-31E4-467E-8E10-33C6419C0D25}"/>
+    <pc:docChg chg="modSld">
+      <pc:chgData name="Scott Claessens" userId="4182a21f-a269-4333-a3cd-52d373294ca1" providerId="ADAL" clId="{DD2704FE-31E4-467E-8E10-33C6419C0D25}" dt="2024-07-16T10:24:16.254" v="50" actId="20577"/>
+      <pc:docMkLst>
+        <pc:docMk/>
+      </pc:docMkLst>
+      <pc:sldChg chg="modSp mod">
+        <pc:chgData name="Scott Claessens" userId="4182a21f-a269-4333-a3cd-52d373294ca1" providerId="ADAL" clId="{DD2704FE-31E4-467E-8E10-33C6419C0D25}" dt="2024-07-16T10:24:16.254" v="50" actId="20577"/>
+        <pc:sldMkLst>
+          <pc:docMk/>
+          <pc:sldMk cId="425798360" sldId="257"/>
+        </pc:sldMkLst>
+        <pc:spChg chg="mod">
+          <ac:chgData name="Scott Claessens" userId="4182a21f-a269-4333-a3cd-52d373294ca1" providerId="ADAL" clId="{DD2704FE-31E4-467E-8E10-33C6419C0D25}" dt="2024-07-16T10:24:11.442" v="41" actId="20577"/>
+          <ac:spMkLst>
+            <pc:docMk/>
+            <pc:sldMk cId="425798360" sldId="257"/>
+            <ac:spMk id="2" creationId="{00000000-0000-0000-0000-000000000000}"/>
+          </ac:spMkLst>
+        </pc:spChg>
+        <pc:spChg chg="mod">
+          <ac:chgData name="Scott Claessens" userId="4182a21f-a269-4333-a3cd-52d373294ca1" providerId="ADAL" clId="{DD2704FE-31E4-467E-8E10-33C6419C0D25}" dt="2024-07-16T10:24:07.865" v="32" actId="20577"/>
+          <ac:spMkLst>
+            <pc:docMk/>
+            <pc:sldMk cId="425798360" sldId="257"/>
+            <ac:spMk id="17" creationId="{00000000-0000-0000-0000-000000000000}"/>
+          </ac:spMkLst>
+        </pc:spChg>
+        <pc:spChg chg="mod">
+          <ac:chgData name="Scott Claessens" userId="4182a21f-a269-4333-a3cd-52d373294ca1" providerId="ADAL" clId="{DD2704FE-31E4-467E-8E10-33C6419C0D25}" dt="2024-07-16T10:24:16.254" v="50" actId="20577"/>
+          <ac:spMkLst>
+            <pc:docMk/>
+            <pc:sldMk cId="425798360" sldId="257"/>
+            <ac:spMk id="41" creationId="{00000000-0000-0000-0000-000000000000}"/>
+          </ac:spMkLst>
+        </pc:spChg>
+        <pc:spChg chg="mod">
+          <ac:chgData name="Scott Claessens" userId="4182a21f-a269-4333-a3cd-52d373294ca1" providerId="ADAL" clId="{DD2704FE-31E4-467E-8E10-33C6419C0D25}" dt="2024-07-16T10:23:57.525" v="11" actId="20577"/>
+          <ac:spMkLst>
+            <pc:docMk/>
+            <pc:sldMk cId="425798360" sldId="257"/>
+            <ac:spMk id="83" creationId="{00000000-0000-0000-0000-000000000000}"/>
+          </ac:spMkLst>
+        </pc:spChg>
+        <pc:spChg chg="mod">
+          <ac:chgData name="Scott Claessens" userId="4182a21f-a269-4333-a3cd-52d373294ca1" providerId="ADAL" clId="{DD2704FE-31E4-467E-8E10-33C6419C0D25}" dt="2024-07-16T10:24:02.973" v="20" actId="20577"/>
+          <ac:spMkLst>
+            <pc:docMk/>
+            <pc:sldMk cId="425798360" sldId="257"/>
+            <ac:spMk id="85" creationId="{00000000-0000-0000-0000-000000000000}"/>
+          </ac:spMkLst>
+        </pc:spChg>
+      </pc:sldChg>
+    </pc:docChg>
+  </pc:docChgLst>
+  <pc:docChgLst>
     <pc:chgData name="Scott Claessens" userId="4182a21f-a269-4333-a3cd-52d373294ca1" providerId="ADAL" clId="{D8F425D7-BEC7-4439-B0CF-3A392C14C007}"/>
     <pc:docChg chg="undo custSel modSld">
       <pc:chgData name="Scott Claessens" userId="4182a21f-a269-4333-a3cd-52d373294ca1" providerId="ADAL" clId="{D8F425D7-BEC7-4439-B0CF-3A392C14C007}" dt="2023-11-29T03:07:00.132" v="27" actId="1035"/>
@@ -315,7 +371,7 @@
           <a:p>
             <a:fld id="{5717288E-5605-4F29-9090-61443399E823}" type="datetimeFigureOut">
               <a:rPr lang="en-NZ" smtClean="0"/>
-              <a:t>29/11/2023</a:t>
+              <a:t>16/07/2024</a:t>
             </a:fld>
             <a:endParaRPr lang="en-NZ"/>
           </a:p>
@@ -485,7 +541,7 @@
           <a:p>
             <a:fld id="{5717288E-5605-4F29-9090-61443399E823}" type="datetimeFigureOut">
               <a:rPr lang="en-NZ" smtClean="0"/>
-              <a:t>29/11/2023</a:t>
+              <a:t>16/07/2024</a:t>
             </a:fld>
             <a:endParaRPr lang="en-NZ"/>
           </a:p>
@@ -665,7 +721,7 @@
           <a:p>
             <a:fld id="{5717288E-5605-4F29-9090-61443399E823}" type="datetimeFigureOut">
               <a:rPr lang="en-NZ" smtClean="0"/>
-              <a:t>29/11/2023</a:t>
+              <a:t>16/07/2024</a:t>
             </a:fld>
             <a:endParaRPr lang="en-NZ"/>
           </a:p>
@@ -835,7 +891,7 @@
           <a:p>
             <a:fld id="{5717288E-5605-4F29-9090-61443399E823}" type="datetimeFigureOut">
               <a:rPr lang="en-NZ" smtClean="0"/>
-              <a:t>29/11/2023</a:t>
+              <a:t>16/07/2024</a:t>
             </a:fld>
             <a:endParaRPr lang="en-NZ"/>
           </a:p>
@@ -1081,7 +1137,7 @@
           <a:p>
             <a:fld id="{5717288E-5605-4F29-9090-61443399E823}" type="datetimeFigureOut">
               <a:rPr lang="en-NZ" smtClean="0"/>
-              <a:t>29/11/2023</a:t>
+              <a:t>16/07/2024</a:t>
             </a:fld>
             <a:endParaRPr lang="en-NZ"/>
           </a:p>
@@ -1313,7 +1369,7 @@
           <a:p>
             <a:fld id="{5717288E-5605-4F29-9090-61443399E823}" type="datetimeFigureOut">
               <a:rPr lang="en-NZ" smtClean="0"/>
-              <a:t>29/11/2023</a:t>
+              <a:t>16/07/2024</a:t>
             </a:fld>
             <a:endParaRPr lang="en-NZ"/>
           </a:p>
@@ -1680,7 +1736,7 @@
           <a:p>
             <a:fld id="{5717288E-5605-4F29-9090-61443399E823}" type="datetimeFigureOut">
               <a:rPr lang="en-NZ" smtClean="0"/>
-              <a:t>29/11/2023</a:t>
+              <a:t>16/07/2024</a:t>
             </a:fld>
             <a:endParaRPr lang="en-NZ"/>
           </a:p>
@@ -1798,7 +1854,7 @@
           <a:p>
             <a:fld id="{5717288E-5605-4F29-9090-61443399E823}" type="datetimeFigureOut">
               <a:rPr lang="en-NZ" smtClean="0"/>
-              <a:t>29/11/2023</a:t>
+              <a:t>16/07/2024</a:t>
             </a:fld>
             <a:endParaRPr lang="en-NZ"/>
           </a:p>
@@ -1893,7 +1949,7 @@
           <a:p>
             <a:fld id="{5717288E-5605-4F29-9090-61443399E823}" type="datetimeFigureOut">
               <a:rPr lang="en-NZ" smtClean="0"/>
-              <a:t>29/11/2023</a:t>
+              <a:t>16/07/2024</a:t>
             </a:fld>
             <a:endParaRPr lang="en-NZ"/>
           </a:p>
@@ -2170,7 +2226,7 @@
           <a:p>
             <a:fld id="{5717288E-5605-4F29-9090-61443399E823}" type="datetimeFigureOut">
               <a:rPr lang="en-NZ" smtClean="0"/>
-              <a:t>29/11/2023</a:t>
+              <a:t>16/07/2024</a:t>
             </a:fld>
             <a:endParaRPr lang="en-NZ"/>
           </a:p>
@@ -2427,7 +2483,7 @@
           <a:p>
             <a:fld id="{5717288E-5605-4F29-9090-61443399E823}" type="datetimeFigureOut">
               <a:rPr lang="en-NZ" smtClean="0"/>
-              <a:t>29/11/2023</a:t>
+              <a:t>16/07/2024</a:t>
             </a:fld>
             <a:endParaRPr lang="en-NZ"/>
           </a:p>
@@ -2640,7 +2696,7 @@
           <a:p>
             <a:fld id="{5717288E-5605-4F29-9090-61443399E823}" type="datetimeFigureOut">
               <a:rPr lang="en-NZ" smtClean="0"/>
-              <a:t>29/11/2023</a:t>
+              <a:t>16/07/2024</a:t>
             </a:fld>
             <a:endParaRPr lang="en-NZ"/>
           </a:p>
@@ -3147,7 +3203,7 @@
                 <a:latin typeface="Arial" panose="020B0604020202020204" pitchFamily="34" charset="0"/>
                 <a:cs typeface="Arial" panose="020B0604020202020204" pitchFamily="34" charset="0"/>
               </a:rPr>
-              <a:t>Cooperative Phenotype</a:t>
+              <a:t>Prosocial Phenotype</a:t>
             </a:r>
           </a:p>
         </p:txBody>
@@ -3475,7 +3531,7 @@
                 <a:latin typeface="Arial" panose="020B0604020202020204" pitchFamily="34" charset="0"/>
                 <a:cs typeface="Arial" panose="020B0604020202020204" pitchFamily="34" charset="0"/>
               </a:rPr>
-              <a:t>Cooperation-as-antecedent model</a:t>
+              <a:t>Prosociality-as-antecedent model</a:t>
             </a:r>
           </a:p>
         </p:txBody>
@@ -3635,6 +3691,16 @@
           <a:p>
             <a:pPr algn="ctr"/>
             <a:r>
+              <a:rPr lang="en-NZ" sz="1300">
+                <a:solidFill>
+                  <a:schemeClr val="tx1"/>
+                </a:solidFill>
+                <a:latin typeface="Arial" panose="020B0604020202020204" pitchFamily="34" charset="0"/>
+                <a:cs typeface="Arial" panose="020B0604020202020204" pitchFamily="34" charset="0"/>
+              </a:rPr>
+              <a:t>Prosocial </a:t>
+            </a:r>
+            <a:r>
               <a:rPr lang="en-NZ" sz="1300" dirty="0">
                 <a:solidFill>
                   <a:schemeClr val="tx1"/>
@@ -3642,7 +3708,7 @@
                 <a:latin typeface="Arial" panose="020B0604020202020204" pitchFamily="34" charset="0"/>
                 <a:cs typeface="Arial" panose="020B0604020202020204" pitchFamily="34" charset="0"/>
               </a:rPr>
-              <a:t>Cooperative Phenotype</a:t>
+              <a:t>Phenotype</a:t>
             </a:r>
           </a:p>
         </p:txBody>
@@ -3913,8 +3979,8 @@
         </p:nvSpPr>
         <p:spPr>
           <a:xfrm>
-            <a:off x="715310" y="845504"/>
-            <a:ext cx="3469219" cy="353943"/>
+            <a:off x="760194" y="845504"/>
+            <a:ext cx="3424335" cy="353943"/>
           </a:xfrm>
           <a:prstGeom prst="rect">
             <a:avLst/>
@@ -3933,7 +3999,7 @@
                 <a:latin typeface="Arial" panose="020B0604020202020204" pitchFamily="34" charset="0"/>
                 <a:cs typeface="Arial" panose="020B0604020202020204" pitchFamily="34" charset="0"/>
               </a:rPr>
-              <a:t>Cooperation-as-outcome model</a:t>
+              <a:t>Prosociality-as-outcome model</a:t>
             </a:r>
           </a:p>
         </p:txBody>
@@ -4060,7 +4126,7 @@
                 <a:latin typeface="Arial" panose="020B0604020202020204" pitchFamily="34" charset="0"/>
                 <a:cs typeface="Arial" panose="020B0604020202020204" pitchFamily="34" charset="0"/>
               </a:rPr>
-              <a:t>Cooperative Phenotype</a:t>
+              <a:t>Prosocial Phenotype</a:t>
             </a:r>
           </a:p>
         </p:txBody>
